--- a/bigdata/파이널프로젝트ppt.pptx
+++ b/bigdata/파이널프로젝트ppt.pptx
@@ -9,12 +9,15 @@
     <p:sldId id="257" r:id="rId3"/>
     <p:sldId id="258" r:id="rId4"/>
     <p:sldId id="259" r:id="rId5"/>
-    <p:sldId id="262" r:id="rId6"/>
-    <p:sldId id="261" r:id="rId7"/>
-    <p:sldId id="263" r:id="rId8"/>
-    <p:sldId id="264" r:id="rId9"/>
-    <p:sldId id="265" r:id="rId10"/>
-    <p:sldId id="266" r:id="rId11"/>
+    <p:sldId id="267" r:id="rId6"/>
+    <p:sldId id="262" r:id="rId7"/>
+    <p:sldId id="261" r:id="rId8"/>
+    <p:sldId id="263" r:id="rId9"/>
+    <p:sldId id="264" r:id="rId10"/>
+    <p:sldId id="265" r:id="rId11"/>
+    <p:sldId id="268" r:id="rId12"/>
+    <p:sldId id="266" r:id="rId13"/>
+    <p:sldId id="269" r:id="rId14"/>
   </p:sldIdLst>
   <p:sldSz cx="12192000" cy="6858000"/>
   <p:notesSz cx="6858000" cy="9144000"/>
@@ -113,6 +116,11 @@
       </a:defRPr>
     </a:lvl9pPr>
   </p:defaultTextStyle>
+  <p:extLst>
+    <p:ext uri="{EFAFB233-063F-42B5-8137-9DF3F51BA10A}">
+      <p15:sldGuideLst xmlns:p15="http://schemas.microsoft.com/office/powerpoint/2012/main"/>
+    </p:ext>
+  </p:extLst>
 </p:presentation>
 </file>
 
@@ -263,7 +271,7 @@
           <a:p>
             <a:fld id="{E8AF4F05-BA0D-BC4E-A93C-6BFF53A3DFEB}" type="datetimeFigureOut">
               <a:rPr lang="en-US" smtClean="0"/>
-              <a:t>12/3/19</a:t>
+              <a:t>12/4/19</a:t>
             </a:fld>
             <a:endParaRPr lang="en-US"/>
           </a:p>
@@ -461,7 +469,7 @@
           <a:p>
             <a:fld id="{E8AF4F05-BA0D-BC4E-A93C-6BFF53A3DFEB}" type="datetimeFigureOut">
               <a:rPr lang="en-US" smtClean="0"/>
-              <a:t>12/3/19</a:t>
+              <a:t>12/4/19</a:t>
             </a:fld>
             <a:endParaRPr lang="en-US"/>
           </a:p>
@@ -669,7 +677,7 @@
           <a:p>
             <a:fld id="{E8AF4F05-BA0D-BC4E-A93C-6BFF53A3DFEB}" type="datetimeFigureOut">
               <a:rPr lang="en-US" smtClean="0"/>
-              <a:t>12/3/19</a:t>
+              <a:t>12/4/19</a:t>
             </a:fld>
             <a:endParaRPr lang="en-US"/>
           </a:p>
@@ -867,7 +875,7 @@
           <a:p>
             <a:fld id="{E8AF4F05-BA0D-BC4E-A93C-6BFF53A3DFEB}" type="datetimeFigureOut">
               <a:rPr lang="en-US" smtClean="0"/>
-              <a:t>12/3/19</a:t>
+              <a:t>12/4/19</a:t>
             </a:fld>
             <a:endParaRPr lang="en-US"/>
           </a:p>
@@ -1142,7 +1150,7 @@
           <a:p>
             <a:fld id="{E8AF4F05-BA0D-BC4E-A93C-6BFF53A3DFEB}" type="datetimeFigureOut">
               <a:rPr lang="en-US" smtClean="0"/>
-              <a:t>12/3/19</a:t>
+              <a:t>12/4/19</a:t>
             </a:fld>
             <a:endParaRPr lang="en-US"/>
           </a:p>
@@ -1407,7 +1415,7 @@
           <a:p>
             <a:fld id="{E8AF4F05-BA0D-BC4E-A93C-6BFF53A3DFEB}" type="datetimeFigureOut">
               <a:rPr lang="en-US" smtClean="0"/>
-              <a:t>12/3/19</a:t>
+              <a:t>12/4/19</a:t>
             </a:fld>
             <a:endParaRPr lang="en-US"/>
           </a:p>
@@ -1819,7 +1827,7 @@
           <a:p>
             <a:fld id="{E8AF4F05-BA0D-BC4E-A93C-6BFF53A3DFEB}" type="datetimeFigureOut">
               <a:rPr lang="en-US" smtClean="0"/>
-              <a:t>12/3/19</a:t>
+              <a:t>12/4/19</a:t>
             </a:fld>
             <a:endParaRPr lang="en-US"/>
           </a:p>
@@ -1960,7 +1968,7 @@
           <a:p>
             <a:fld id="{E8AF4F05-BA0D-BC4E-A93C-6BFF53A3DFEB}" type="datetimeFigureOut">
               <a:rPr lang="en-US" smtClean="0"/>
-              <a:t>12/3/19</a:t>
+              <a:t>12/4/19</a:t>
             </a:fld>
             <a:endParaRPr lang="en-US"/>
           </a:p>
@@ -2073,7 +2081,7 @@
           <a:p>
             <a:fld id="{E8AF4F05-BA0D-BC4E-A93C-6BFF53A3DFEB}" type="datetimeFigureOut">
               <a:rPr lang="en-US" smtClean="0"/>
-              <a:t>12/3/19</a:t>
+              <a:t>12/4/19</a:t>
             </a:fld>
             <a:endParaRPr lang="en-US"/>
           </a:p>
@@ -2384,7 +2392,7 @@
           <a:p>
             <a:fld id="{E8AF4F05-BA0D-BC4E-A93C-6BFF53A3DFEB}" type="datetimeFigureOut">
               <a:rPr lang="en-US" smtClean="0"/>
-              <a:t>12/3/19</a:t>
+              <a:t>12/4/19</a:t>
             </a:fld>
             <a:endParaRPr lang="en-US"/>
           </a:p>
@@ -2672,7 +2680,7 @@
           <a:p>
             <a:fld id="{E8AF4F05-BA0D-BC4E-A93C-6BFF53A3DFEB}" type="datetimeFigureOut">
               <a:rPr lang="en-US" smtClean="0"/>
-              <a:t>12/3/19</a:t>
+              <a:t>12/4/19</a:t>
             </a:fld>
             <a:endParaRPr lang="en-US"/>
           </a:p>
@@ -2913,7 +2921,7 @@
           <a:p>
             <a:fld id="{E8AF4F05-BA0D-BC4E-A93C-6BFF53A3DFEB}" type="datetimeFigureOut">
               <a:rPr lang="en-US" smtClean="0"/>
-              <a:t>12/3/19</a:t>
+              <a:t>12/4/19</a:t>
             </a:fld>
             <a:endParaRPr lang="en-US"/>
           </a:p>
@@ -3451,6 +3459,212 @@
           <p:cNvPr id="2" name="Title 1">
             <a:extLst>
               <a:ext uri="{FF2B5EF4-FFF2-40B4-BE49-F238E27FC236}">
+                <a16:creationId xmlns:a16="http://schemas.microsoft.com/office/drawing/2014/main" id="{B2887ED1-D354-D44F-B416-79A4474BE680}"/>
+              </a:ext>
+            </a:extLst>
+          </p:cNvPr>
+          <p:cNvSpPr>
+            <a:spLocks noGrp="1"/>
+          </p:cNvSpPr>
+          <p:nvPr>
+            <p:ph type="title"/>
+          </p:nvPr>
+        </p:nvSpPr>
+        <p:spPr/>
+        <p:txBody>
+          <a:bodyPr>
+            <a:normAutofit/>
+          </a:bodyPr>
+          <a:lstStyle/>
+          <a:p>
+            <a:pPr algn="ctr"/>
+            <a:r>
+              <a:rPr lang="ko-KR" altLang="en-US" sz="4800" b="1" dirty="0"/>
+              <a:t>기울기 </a:t>
+            </a:r>
+            <a:r>
+              <a:rPr lang="ko-KR" altLang="en-US" sz="4800" b="1" dirty="0" err="1"/>
+              <a:t>검정수행</a:t>
+            </a:r>
+            <a:endParaRPr lang="en-US" sz="4800" b="1" dirty="0"/>
+          </a:p>
+        </p:txBody>
+      </p:sp>
+      <p:pic>
+        <p:nvPicPr>
+          <p:cNvPr id="7" name="Content Placeholder 6" descr="A screenshot of a cell phone&#10;&#10;Description automatically generated">
+            <a:extLst>
+              <a:ext uri="{FF2B5EF4-FFF2-40B4-BE49-F238E27FC236}">
+                <a16:creationId xmlns:a16="http://schemas.microsoft.com/office/drawing/2014/main" id="{A35D57BF-85DE-A242-B751-96EBB3624466}"/>
+              </a:ext>
+            </a:extLst>
+          </p:cNvPr>
+          <p:cNvPicPr>
+            <a:picLocks noGrp="1" noChangeAspect="1"/>
+          </p:cNvPicPr>
+          <p:nvPr>
+            <p:ph idx="1"/>
+          </p:nvPr>
+        </p:nvPicPr>
+        <p:blipFill>
+          <a:blip r:embed="rId2"/>
+          <a:stretch>
+            <a:fillRect/>
+          </a:stretch>
+        </p:blipFill>
+        <p:spPr>
+          <a:xfrm>
+            <a:off x="2280999" y="1825625"/>
+            <a:ext cx="7630002" cy="4667250"/>
+          </a:xfrm>
+        </p:spPr>
+      </p:pic>
+    </p:spTree>
+    <p:extLst>
+      <p:ext uri="{BB962C8B-B14F-4D97-AF65-F5344CB8AC3E}">
+        <p14:creationId xmlns:p14="http://schemas.microsoft.com/office/powerpoint/2010/main" val="3398511196"/>
+      </p:ext>
+    </p:extLst>
+  </p:cSld>
+  <p:clrMapOvr>
+    <a:masterClrMapping/>
+  </p:clrMapOvr>
+</p:sld>
+</file>
+
+<file path=ppt/slides/slide11.xml><?xml version="1.0" encoding="utf-8"?>
+<p:sld xmlns:a="http://schemas.openxmlformats.org/drawingml/2006/main" xmlns:r="http://schemas.openxmlformats.org/officeDocument/2006/relationships" xmlns:p="http://schemas.openxmlformats.org/presentationml/2006/main">
+  <p:cSld>
+    <p:spTree>
+      <p:nvGrpSpPr>
+        <p:cNvPr id="1" name=""/>
+        <p:cNvGrpSpPr/>
+        <p:nvPr/>
+      </p:nvGrpSpPr>
+      <p:grpSpPr>
+        <a:xfrm>
+          <a:off x="0" y="0"/>
+          <a:ext cx="0" cy="0"/>
+          <a:chOff x="0" y="0"/>
+          <a:chExt cx="0" cy="0"/>
+        </a:xfrm>
+      </p:grpSpPr>
+      <p:sp>
+        <p:nvSpPr>
+          <p:cNvPr id="2" name="Title 1">
+            <a:extLst>
+              <a:ext uri="{FF2B5EF4-FFF2-40B4-BE49-F238E27FC236}">
+                <a16:creationId xmlns:a16="http://schemas.microsoft.com/office/drawing/2014/main" id="{9DDE7E53-2109-7D41-9AF4-B271E03DB545}"/>
+              </a:ext>
+            </a:extLst>
+          </p:cNvPr>
+          <p:cNvSpPr>
+            <a:spLocks noGrp="1"/>
+          </p:cNvSpPr>
+          <p:nvPr>
+            <p:ph type="title"/>
+          </p:nvPr>
+        </p:nvSpPr>
+        <p:spPr/>
+        <p:txBody>
+          <a:bodyPr>
+            <a:normAutofit fontScale="90000"/>
+          </a:bodyPr>
+          <a:lstStyle/>
+          <a:p>
+            <a:pPr algn="ctr"/>
+            <a:r>
+              <a:rPr lang="en-US" sz="4800" b="1" dirty="0"/>
+              <a:t>P-value</a:t>
+            </a:r>
+            <a:r>
+              <a:rPr lang="en-US" altLang="ko-KR" sz="4800" b="1" dirty="0"/>
+              <a:t>(356</a:t>
+            </a:r>
+            <a:r>
+              <a:rPr lang="ko-KR" altLang="en-US" sz="4800" b="1" dirty="0"/>
+              <a:t>개 기울기 </a:t>
+            </a:r>
+            <a:r>
+              <a:rPr lang="en-US" altLang="ko-KR" sz="4800" b="1" dirty="0"/>
+              <a:t>= 356</a:t>
+            </a:r>
+            <a:r>
+              <a:rPr lang="ko-KR" altLang="en-US" sz="4800" b="1" dirty="0"/>
+              <a:t>번 동전던지기</a:t>
+            </a:r>
+            <a:r>
+              <a:rPr lang="en-US" altLang="ko-KR" sz="4800" b="1" dirty="0"/>
+              <a:t>)</a:t>
+            </a:r>
+            <a:endParaRPr lang="en-US" sz="4800" b="1" dirty="0"/>
+          </a:p>
+        </p:txBody>
+      </p:sp>
+      <p:pic>
+        <p:nvPicPr>
+          <p:cNvPr id="10" name="Content Placeholder 9" descr="A picture containing screenshot&#10;&#10;Description automatically generated">
+            <a:extLst>
+              <a:ext uri="{FF2B5EF4-FFF2-40B4-BE49-F238E27FC236}">
+                <a16:creationId xmlns:a16="http://schemas.microsoft.com/office/drawing/2014/main" id="{0798C3D9-963F-F847-BB5C-6307C8759CD0}"/>
+              </a:ext>
+            </a:extLst>
+          </p:cNvPr>
+          <p:cNvPicPr>
+            <a:picLocks noGrp="1" noChangeAspect="1"/>
+          </p:cNvPicPr>
+          <p:nvPr>
+            <p:ph idx="1"/>
+          </p:nvPr>
+        </p:nvPicPr>
+        <p:blipFill>
+          <a:blip r:embed="rId2"/>
+          <a:stretch>
+            <a:fillRect/>
+          </a:stretch>
+        </p:blipFill>
+        <p:spPr>
+          <a:xfrm>
+            <a:off x="2728184" y="1825625"/>
+            <a:ext cx="6735632" cy="4351338"/>
+          </a:xfrm>
+        </p:spPr>
+      </p:pic>
+    </p:spTree>
+    <p:extLst>
+      <p:ext uri="{BB962C8B-B14F-4D97-AF65-F5344CB8AC3E}">
+        <p14:creationId xmlns:p14="http://schemas.microsoft.com/office/powerpoint/2010/main" val="3690853361"/>
+      </p:ext>
+    </p:extLst>
+  </p:cSld>
+  <p:clrMapOvr>
+    <a:masterClrMapping/>
+  </p:clrMapOvr>
+</p:sld>
+</file>
+
+<file path=ppt/slides/slide12.xml><?xml version="1.0" encoding="utf-8"?>
+<p:sld xmlns:a="http://schemas.openxmlformats.org/drawingml/2006/main" xmlns:r="http://schemas.openxmlformats.org/officeDocument/2006/relationships" xmlns:p="http://schemas.openxmlformats.org/presentationml/2006/main">
+  <p:cSld>
+    <p:spTree>
+      <p:nvGrpSpPr>
+        <p:cNvPr id="1" name=""/>
+        <p:cNvGrpSpPr/>
+        <p:nvPr/>
+      </p:nvGrpSpPr>
+      <p:grpSpPr>
+        <a:xfrm>
+          <a:off x="0" y="0"/>
+          <a:ext cx="0" cy="0"/>
+          <a:chOff x="0" y="0"/>
+          <a:chExt cx="0" cy="0"/>
+        </a:xfrm>
+      </p:grpSpPr>
+      <p:sp>
+        <p:nvSpPr>
+          <p:cNvPr id="2" name="Title 1">
+            <a:extLst>
+              <a:ext uri="{FF2B5EF4-FFF2-40B4-BE49-F238E27FC236}">
                 <a16:creationId xmlns:a16="http://schemas.microsoft.com/office/drawing/2014/main" id="{FC9EC6F2-EC4F-B345-9E23-10CEB57B3F3C}"/>
               </a:ext>
             </a:extLst>
@@ -3468,10 +3682,10 @@
           <a:lstStyle/>
           <a:p>
             <a:r>
-              <a:rPr lang="ko-KR" altLang="en-US" dirty="0"/>
+              <a:rPr lang="ko-KR" altLang="en-US" b="1" dirty="0"/>
               <a:t>결론</a:t>
             </a:r>
-            <a:endParaRPr lang="en-US" dirty="0"/>
+            <a:endParaRPr lang="en-US" b="1" dirty="0"/>
           </a:p>
         </p:txBody>
       </p:sp>
@@ -3499,27 +3713,33 @@
             <a:pPr marL="0" indent="0">
               <a:buNone/>
             </a:pPr>
-            <a:r>
-              <a:rPr lang="ko-KR" altLang="en-US" dirty="0"/>
+            <a:endParaRPr lang="en-US" altLang="ko-KR" dirty="0"/>
+          </a:p>
+          <a:p>
+            <a:pPr marL="0" indent="0">
+              <a:buNone/>
+            </a:pPr>
+            <a:r>
+              <a:rPr lang="ko-KR" altLang="en-US" b="1" dirty="0"/>
               <a:t>유의수준 </a:t>
             </a:r>
             <a:r>
-              <a:rPr lang="en-US" altLang="ko-KR" dirty="0"/>
+              <a:rPr lang="en-US" altLang="ko-KR" b="1" dirty="0"/>
               <a:t>0.1,</a:t>
             </a:r>
             <a:r>
-              <a:rPr lang="ko-KR" altLang="en-US" dirty="0"/>
+              <a:rPr lang="ko-KR" altLang="en-US" b="1" dirty="0"/>
               <a:t> </a:t>
             </a:r>
             <a:r>
-              <a:rPr lang="ko-KR" altLang="en-US" dirty="0" err="1"/>
+              <a:rPr lang="ko-KR" altLang="en-US" b="1" dirty="0" err="1"/>
               <a:t>귀무가설을</a:t>
             </a:r>
             <a:r>
-              <a:rPr lang="ko-KR" altLang="en-US" dirty="0"/>
+              <a:rPr lang="ko-KR" altLang="en-US" b="1" dirty="0"/>
               <a:t> 기각하지 못 함</a:t>
             </a:r>
-            <a:endParaRPr lang="en-US" altLang="ko-KR" dirty="0"/>
+            <a:endParaRPr lang="en-US" altLang="ko-KR" b="1" dirty="0"/>
           </a:p>
           <a:p>
             <a:pPr marL="0" indent="0">
@@ -3532,10 +3752,10 @@
               <a:buNone/>
             </a:pPr>
             <a:r>
-              <a:rPr lang="ko-KR" altLang="en-US" dirty="0"/>
+              <a:rPr lang="ko-KR" altLang="en-US" b="1" dirty="0"/>
               <a:t>삼성전자 주가는 랜덤워크</a:t>
             </a:r>
-            <a:endParaRPr lang="en-US" altLang="ko-KR" dirty="0"/>
+            <a:endParaRPr lang="en-US" altLang="ko-KR" b="1" dirty="0"/>
           </a:p>
           <a:p>
             <a:pPr marL="0" indent="0">
@@ -3548,10 +3768,10 @@
               <a:buNone/>
             </a:pPr>
             <a:r>
-              <a:rPr lang="ko-KR" altLang="en-US" dirty="0"/>
+              <a:rPr lang="ko-KR" altLang="en-US" b="1" dirty="0"/>
               <a:t>제일 좋은 시나리오가 랜덤워크이기 때문에 투자 안 함</a:t>
             </a:r>
-            <a:endParaRPr lang="en-US" dirty="0"/>
+            <a:endParaRPr lang="en-US" b="1" dirty="0"/>
           </a:p>
           <a:p>
             <a:pPr marL="0" indent="0">
@@ -3565,6 +3785,131 @@
     <p:extLst>
       <p:ext uri="{BB962C8B-B14F-4D97-AF65-F5344CB8AC3E}">
         <p14:creationId xmlns:p14="http://schemas.microsoft.com/office/powerpoint/2010/main" val="1184720770"/>
+      </p:ext>
+    </p:extLst>
+  </p:cSld>
+  <p:clrMapOvr>
+    <a:masterClrMapping/>
+  </p:clrMapOvr>
+</p:sld>
+</file>
+
+<file path=ppt/slides/slide13.xml><?xml version="1.0" encoding="utf-8"?>
+<p:sld xmlns:a="http://schemas.openxmlformats.org/drawingml/2006/main" xmlns:r="http://schemas.openxmlformats.org/officeDocument/2006/relationships" xmlns:p="http://schemas.openxmlformats.org/presentationml/2006/main">
+  <p:cSld>
+    <p:spTree>
+      <p:nvGrpSpPr>
+        <p:cNvPr id="1" name=""/>
+        <p:cNvGrpSpPr/>
+        <p:nvPr/>
+      </p:nvGrpSpPr>
+      <p:grpSpPr>
+        <a:xfrm>
+          <a:off x="0" y="0"/>
+          <a:ext cx="0" cy="0"/>
+          <a:chOff x="0" y="0"/>
+          <a:chExt cx="0" cy="0"/>
+        </a:xfrm>
+      </p:grpSpPr>
+      <p:sp>
+        <p:nvSpPr>
+          <p:cNvPr id="2" name="Title 1">
+            <a:extLst>
+              <a:ext uri="{FF2B5EF4-FFF2-40B4-BE49-F238E27FC236}">
+                <a16:creationId xmlns:a16="http://schemas.microsoft.com/office/drawing/2014/main" id="{268248C5-E164-584C-8D0E-103B35570AA0}"/>
+              </a:ext>
+            </a:extLst>
+          </p:cNvPr>
+          <p:cNvSpPr>
+            <a:spLocks noGrp="1"/>
+          </p:cNvSpPr>
+          <p:nvPr>
+            <p:ph type="title"/>
+          </p:nvPr>
+        </p:nvSpPr>
+        <p:spPr/>
+        <p:txBody>
+          <a:bodyPr/>
+          <a:lstStyle/>
+          <a:p>
+            <a:r>
+              <a:rPr lang="ko-KR" altLang="en-US" b="1" dirty="0"/>
+              <a:t>의문점</a:t>
+            </a:r>
+            <a:endParaRPr lang="en-US" b="1" dirty="0"/>
+          </a:p>
+        </p:txBody>
+      </p:sp>
+      <p:sp>
+        <p:nvSpPr>
+          <p:cNvPr id="3" name="Content Placeholder 2">
+            <a:extLst>
+              <a:ext uri="{FF2B5EF4-FFF2-40B4-BE49-F238E27FC236}">
+                <a16:creationId xmlns:a16="http://schemas.microsoft.com/office/drawing/2014/main" id="{276D70DC-3CD2-B146-8BB5-520F66BD67F6}"/>
+              </a:ext>
+            </a:extLst>
+          </p:cNvPr>
+          <p:cNvSpPr>
+            <a:spLocks noGrp="1"/>
+          </p:cNvSpPr>
+          <p:nvPr>
+            <p:ph idx="1"/>
+          </p:nvPr>
+        </p:nvSpPr>
+        <p:spPr/>
+        <p:txBody>
+          <a:bodyPr/>
+          <a:lstStyle/>
+          <a:p>
+            <a:pPr marL="0" indent="0">
+              <a:buNone/>
+            </a:pPr>
+            <a:endParaRPr lang="en-US" altLang="ko-KR" dirty="0"/>
+          </a:p>
+          <a:p>
+            <a:pPr marL="0" indent="0">
+              <a:buNone/>
+            </a:pPr>
+            <a:r>
+              <a:rPr lang="en-US" altLang="ko-KR" dirty="0"/>
+              <a:t>	</a:t>
+            </a:r>
+            <a:r>
+              <a:rPr lang="ko-KR" altLang="en-US" b="1" dirty="0" err="1"/>
+              <a:t>검정통계량</a:t>
+            </a:r>
+            <a:r>
+              <a:rPr lang="ko-KR" altLang="en-US" b="1" dirty="0"/>
+              <a:t> 계산법</a:t>
+            </a:r>
+            <a:endParaRPr lang="en-US" altLang="ko-KR" b="1" dirty="0"/>
+          </a:p>
+          <a:p>
+            <a:pPr marL="0" indent="0">
+              <a:buNone/>
+            </a:pPr>
+            <a:endParaRPr lang="en-US" dirty="0"/>
+          </a:p>
+          <a:p>
+            <a:pPr marL="0" indent="0">
+              <a:buNone/>
+            </a:pPr>
+            <a:r>
+              <a:rPr lang="en-US" altLang="ko-KR" dirty="0"/>
+              <a:t>	</a:t>
+            </a:r>
+            <a:r>
+              <a:rPr lang="ko-KR" altLang="en-US" b="1" dirty="0"/>
+              <a:t>정규확률도가 무엇인지</a:t>
+            </a:r>
+            <a:endParaRPr lang="en-US" b="1" dirty="0"/>
+          </a:p>
+        </p:txBody>
+      </p:sp>
+    </p:spTree>
+    <p:extLst>
+      <p:ext uri="{BB962C8B-B14F-4D97-AF65-F5344CB8AC3E}">
+        <p14:creationId xmlns:p14="http://schemas.microsoft.com/office/powerpoint/2010/main" val="1444941446"/>
       </p:ext>
     </p:extLst>
   </p:cSld>
@@ -3609,14 +3954,16 @@
         </p:nvSpPr>
         <p:spPr/>
         <p:txBody>
-          <a:bodyPr/>
-          <a:lstStyle/>
-          <a:p>
-            <a:r>
-              <a:rPr lang="ko-KR" altLang="en-US" dirty="0"/>
+          <a:bodyPr>
+            <a:normAutofit/>
+          </a:bodyPr>
+          <a:lstStyle/>
+          <a:p>
+            <a:r>
+              <a:rPr lang="ko-KR" altLang="en-US" sz="4800" b="1" dirty="0"/>
               <a:t>목차</a:t>
             </a:r>
-            <a:endParaRPr lang="en-US" dirty="0"/>
+            <a:endParaRPr lang="en-US" sz="4800" b="1" dirty="0"/>
           </a:p>
         </p:txBody>
       </p:sp>
@@ -3638,85 +3985,144 @@
         </p:nvSpPr>
         <p:spPr/>
         <p:txBody>
-          <a:bodyPr/>
+          <a:bodyPr>
+            <a:normAutofit fontScale="55000" lnSpcReduction="20000"/>
+          </a:bodyPr>
           <a:lstStyle/>
           <a:p>
             <a:pPr marL="0" indent="0">
+              <a:lnSpc>
+                <a:spcPct val="170000"/>
+              </a:lnSpc>
               <a:buNone/>
             </a:pPr>
             <a:r>
-              <a:rPr lang="ko-KR" altLang="en-US" dirty="0"/>
+              <a:rPr lang="en-US" altLang="ko-KR" dirty="0"/>
+              <a:t>	</a:t>
+            </a:r>
+            <a:r>
+              <a:rPr lang="ko-KR" altLang="en-US" sz="3800" b="1" dirty="0"/>
               <a:t>주식 종목</a:t>
             </a:r>
-            <a:endParaRPr lang="en-US" altLang="ko-KR" dirty="0"/>
+            <a:endParaRPr lang="en-US" altLang="ko-KR" sz="3800" b="1" dirty="0"/>
           </a:p>
           <a:p>
             <a:pPr marL="0" indent="0">
+              <a:lnSpc>
+                <a:spcPct val="170000"/>
+              </a:lnSpc>
               <a:buNone/>
             </a:pPr>
             <a:r>
-              <a:rPr lang="ko-KR" altLang="en-US" dirty="0"/>
+              <a:rPr lang="en-US" altLang="ko-KR" sz="3800" b="1" dirty="0"/>
+              <a:t>	</a:t>
+            </a:r>
+            <a:r>
+              <a:rPr lang="ko-KR" altLang="en-US" sz="3800" b="1" dirty="0"/>
               <a:t>회사의 상태</a:t>
             </a:r>
-            <a:endParaRPr lang="en-US" altLang="ko-KR" dirty="0"/>
+            <a:endParaRPr lang="en-US" altLang="ko-KR" sz="3800" b="1" dirty="0"/>
           </a:p>
           <a:p>
             <a:pPr marL="0" indent="0">
+              <a:lnSpc>
+                <a:spcPct val="170000"/>
+              </a:lnSpc>
               <a:buNone/>
             </a:pPr>
             <a:r>
-              <a:rPr lang="ko-KR" altLang="en-US" dirty="0"/>
-              <a:t>적절한 기간 선택 후 주가 데이터 수집</a:t>
-            </a:r>
-            <a:endParaRPr lang="en-US" altLang="ko-KR" dirty="0"/>
+              <a:rPr lang="en-US" altLang="ko-KR" sz="3800" b="1" dirty="0"/>
+              <a:t>	</a:t>
+            </a:r>
+            <a:r>
+              <a:rPr lang="ko-KR" altLang="en-US" sz="3800" b="1" dirty="0"/>
+              <a:t>주가 데이터 수집</a:t>
+            </a:r>
+            <a:endParaRPr lang="en-US" altLang="ko-KR" sz="3800" b="1" dirty="0"/>
           </a:p>
           <a:p>
             <a:pPr marL="0" indent="0">
+              <a:lnSpc>
+                <a:spcPct val="170000"/>
+              </a:lnSpc>
               <a:buNone/>
             </a:pPr>
             <a:r>
-              <a:rPr lang="ko-KR" altLang="en-US" dirty="0"/>
+              <a:rPr lang="en-US" altLang="ko-KR" sz="3800" b="1" dirty="0"/>
+              <a:t>	</a:t>
+            </a:r>
+            <a:r>
+              <a:rPr lang="ko-KR" altLang="en-US" sz="3800" b="1" dirty="0"/>
               <a:t>주가 데이터의 </a:t>
             </a:r>
             <a:r>
-              <a:rPr lang="ko-KR" altLang="en-US" dirty="0" err="1"/>
+              <a:rPr lang="ko-KR" altLang="en-US" sz="3800" b="1" dirty="0" err="1"/>
               <a:t>시도표</a:t>
             </a:r>
-            <a:endParaRPr lang="en-US" altLang="ko-KR" dirty="0"/>
+            <a:r>
+              <a:rPr lang="en-US" altLang="ko-KR" sz="3800" b="1" dirty="0"/>
+              <a:t> </a:t>
+            </a:r>
+            <a:r>
+              <a:rPr lang="ko-KR" altLang="en-US" sz="3800" b="1" dirty="0"/>
+              <a:t>및 기간 선택</a:t>
+            </a:r>
+            <a:endParaRPr lang="en-US" altLang="ko-KR" sz="3800" b="1" dirty="0"/>
           </a:p>
           <a:p>
             <a:pPr marL="0" indent="0">
+              <a:lnSpc>
+                <a:spcPct val="170000"/>
+              </a:lnSpc>
               <a:buNone/>
             </a:pPr>
             <a:r>
-              <a:rPr lang="ko-KR" altLang="en-US" dirty="0" err="1"/>
+              <a:rPr lang="en-US" altLang="ko-KR" sz="3800" b="1" dirty="0"/>
+              <a:t>	</a:t>
+            </a:r>
+            <a:r>
+              <a:rPr lang="ko-KR" altLang="en-US" sz="3800" b="1" dirty="0" err="1"/>
               <a:t>대립가설</a:t>
             </a:r>
             <a:r>
-              <a:rPr lang="ko-KR" altLang="en-US" dirty="0"/>
+              <a:rPr lang="ko-KR" altLang="en-US" sz="3800" b="1" dirty="0"/>
               <a:t> 설정</a:t>
             </a:r>
-            <a:endParaRPr lang="en-US" altLang="ko-KR" dirty="0"/>
+            <a:endParaRPr lang="en-US" altLang="ko-KR" sz="3800" b="1" dirty="0"/>
           </a:p>
           <a:p>
             <a:pPr marL="0" indent="0">
+              <a:lnSpc>
+                <a:spcPct val="170000"/>
+              </a:lnSpc>
               <a:buNone/>
             </a:pPr>
             <a:r>
-              <a:rPr lang="ko-KR" altLang="en-US" dirty="0"/>
+              <a:rPr lang="en-US" altLang="ko-KR" sz="3800" b="1" dirty="0"/>
+              <a:t>	</a:t>
+            </a:r>
+            <a:r>
+              <a:rPr lang="ko-KR" altLang="en-US" sz="3800" b="1" dirty="0"/>
               <a:t>기울기 검정 수행</a:t>
             </a:r>
-            <a:endParaRPr lang="en-US" altLang="ko-KR" dirty="0"/>
+            <a:endParaRPr lang="en-US" altLang="ko-KR" sz="3800" b="1" dirty="0"/>
           </a:p>
           <a:p>
             <a:pPr marL="0" indent="0">
+              <a:lnSpc>
+                <a:spcPct val="170000"/>
+              </a:lnSpc>
               <a:buNone/>
             </a:pPr>
             <a:r>
-              <a:rPr lang="ko-KR" altLang="en-US" dirty="0"/>
+              <a:rPr lang="en-US" altLang="ko-KR" sz="3800" b="1" dirty="0"/>
+              <a:t>	</a:t>
+            </a:r>
+            <a:r>
+              <a:rPr lang="ko-KR" altLang="en-US" sz="3800" b="1" dirty="0"/>
               <a:t>결론</a:t>
             </a:r>
-            <a:endParaRPr lang="en-US" altLang="ko-KR" dirty="0"/>
+            <a:endParaRPr lang="en-US" altLang="ko-KR" sz="3800" b="1" dirty="0"/>
           </a:p>
         </p:txBody>
       </p:sp>
@@ -3766,59 +4172,54 @@
             <p:ph type="title"/>
           </p:nvPr>
         </p:nvSpPr>
+        <p:spPr>
+          <a:xfrm>
+            <a:off x="838200" y="365125"/>
+            <a:ext cx="10515600" cy="1325563"/>
+          </a:xfrm>
+        </p:spPr>
+        <p:txBody>
+          <a:bodyPr>
+            <a:normAutofit/>
+          </a:bodyPr>
+          <a:lstStyle/>
+          <a:p>
+            <a:r>
+              <a:rPr lang="ko-KR" altLang="en-US" sz="4800" b="1" dirty="0" err="1"/>
+              <a:t>주식종목</a:t>
+            </a:r>
+            <a:r>
+              <a:rPr lang="en-US" altLang="ko-KR" sz="4800" b="1" dirty="0"/>
+              <a:t>:</a:t>
+            </a:r>
+            <a:r>
+              <a:rPr lang="ko-KR" altLang="en-US" sz="4800" b="1" dirty="0"/>
+              <a:t> 삼성전자</a:t>
+            </a:r>
+            <a:endParaRPr lang="en-US" sz="4800" b="1" dirty="0"/>
+          </a:p>
+        </p:txBody>
+      </p:sp>
+      <p:sp>
+        <p:nvSpPr>
+          <p:cNvPr id="3" name="Content Placeholder 2">
+            <a:extLst>
+              <a:ext uri="{FF2B5EF4-FFF2-40B4-BE49-F238E27FC236}">
+                <a16:creationId xmlns:a16="http://schemas.microsoft.com/office/drawing/2014/main" id="{C2BCDACF-FC7B-B142-A3C3-C701764A28D1}"/>
+              </a:ext>
+            </a:extLst>
+          </p:cNvPr>
+          <p:cNvSpPr>
+            <a:spLocks noGrp="1"/>
+          </p:cNvSpPr>
+          <p:nvPr>
+            <p:ph idx="1"/>
+          </p:nvPr>
+        </p:nvSpPr>
         <p:spPr/>
         <p:txBody>
           <a:bodyPr/>
           <a:lstStyle/>
-          <a:p>
-            <a:r>
-              <a:rPr lang="ko-KR" altLang="en-US" dirty="0" err="1"/>
-              <a:t>주식종목</a:t>
-            </a:r>
-            <a:endParaRPr lang="en-US" dirty="0"/>
-          </a:p>
-        </p:txBody>
-      </p:sp>
-      <p:sp>
-        <p:nvSpPr>
-          <p:cNvPr id="3" name="Content Placeholder 2">
-            <a:extLst>
-              <a:ext uri="{FF2B5EF4-FFF2-40B4-BE49-F238E27FC236}">
-                <a16:creationId xmlns:a16="http://schemas.microsoft.com/office/drawing/2014/main" id="{C2BCDACF-FC7B-B142-A3C3-C701764A28D1}"/>
-              </a:ext>
-            </a:extLst>
-          </p:cNvPr>
-          <p:cNvSpPr>
-            <a:spLocks noGrp="1"/>
-          </p:cNvSpPr>
-          <p:nvPr>
-            <p:ph idx="1"/>
-          </p:nvPr>
-        </p:nvSpPr>
-        <p:spPr/>
-        <p:txBody>
-          <a:bodyPr/>
-          <a:lstStyle/>
-          <a:p>
-            <a:pPr marL="0" indent="0">
-              <a:buNone/>
-            </a:pPr>
-            <a:r>
-              <a:rPr lang="ko-KR" altLang="en-US" dirty="0"/>
-              <a:t>주식 종목</a:t>
-            </a:r>
-            <a:endParaRPr lang="en-US" altLang="ko-KR" dirty="0"/>
-          </a:p>
-          <a:p>
-            <a:pPr marL="0" indent="0">
-              <a:buNone/>
-            </a:pPr>
-            <a:r>
-              <a:rPr lang="ko-KR" altLang="en-US" dirty="0"/>
-              <a:t> 삼성전자</a:t>
-            </a:r>
-            <a:endParaRPr lang="en-US" altLang="ko-KR" dirty="0"/>
-          </a:p>
           <a:p>
             <a:pPr marL="0" indent="0">
               <a:buNone/>
@@ -3834,21 +4235,31 @@
               <a:buNone/>
             </a:pPr>
             <a:r>
+              <a:rPr lang="ko-KR" altLang="en-US" b="1" dirty="0"/>
+              <a:t>삼성전자를 선택한 이유</a:t>
+            </a:r>
+            <a:r>
+              <a:rPr lang="en-US" altLang="ko-KR" b="1" dirty="0"/>
+              <a:t>?</a:t>
+            </a:r>
+          </a:p>
+          <a:p>
+            <a:pPr marL="0" indent="0">
+              <a:buNone/>
+            </a:pPr>
+            <a:endParaRPr lang="en-US" altLang="ko-KR" dirty="0"/>
+          </a:p>
+          <a:p>
+            <a:pPr marL="0" indent="0">
+              <a:buNone/>
+            </a:pPr>
+            <a:r>
+              <a:rPr lang="en-US" altLang="ko-KR" dirty="0"/>
+              <a:t>	</a:t>
+            </a:r>
+            <a:r>
               <a:rPr lang="ko-KR" altLang="en-US" dirty="0"/>
-              <a:t>왜</a:t>
-            </a:r>
-            <a:r>
-              <a:rPr lang="en-US" altLang="ko-KR" dirty="0"/>
-              <a:t>?</a:t>
-            </a:r>
-          </a:p>
-          <a:p>
-            <a:pPr marL="0" indent="0">
-              <a:buNone/>
-            </a:pPr>
-            <a:r>
-              <a:rPr lang="ko-KR" altLang="en-US" dirty="0"/>
-              <a:t> 우리나라 </a:t>
+              <a:t>우리나라 </a:t>
             </a:r>
             <a:r>
               <a:rPr lang="en-US" altLang="ko-KR" dirty="0"/>
@@ -3876,7 +4287,15 @@
             </a:pPr>
             <a:r>
               <a:rPr lang="ko-KR" altLang="en-US" dirty="0"/>
-              <a:t> 은행 예치 혹은 삼성 전자 주식</a:t>
+              <a:t> </a:t>
+            </a:r>
+            <a:r>
+              <a:rPr lang="en-US" altLang="ko-KR" dirty="0"/>
+              <a:t>	</a:t>
+            </a:r>
+            <a:r>
+              <a:rPr lang="ko-KR" altLang="en-US" dirty="0"/>
+              <a:t>은행 예치 혹은 삼성 전자 주식</a:t>
             </a:r>
             <a:r>
               <a:rPr lang="en-US" altLang="ko-KR" dirty="0"/>
@@ -3960,10 +4379,10 @@
           <a:p>
             <a:pPr algn="ctr"/>
             <a:r>
-              <a:rPr lang="ko-KR" altLang="en-US" sz="4800" dirty="0"/>
+              <a:rPr lang="ko-KR" altLang="en-US" sz="4800" b="1" dirty="0"/>
               <a:t>회사 매출 상황</a:t>
             </a:r>
-            <a:endParaRPr lang="en-US" sz="4800" kern="1200" dirty="0">
+            <a:endParaRPr lang="en-US" sz="4800" b="1" kern="1200" dirty="0">
               <a:solidFill>
                 <a:schemeClr val="tx1"/>
               </a:solidFill>
@@ -4147,7 +4566,7 @@
           <p:cNvPr id="2" name="Title 1">
             <a:extLst>
               <a:ext uri="{FF2B5EF4-FFF2-40B4-BE49-F238E27FC236}">
-                <a16:creationId xmlns:a16="http://schemas.microsoft.com/office/drawing/2014/main" id="{48B7C24E-2E92-6F40-B467-246B013FDB29}"/>
+                <a16:creationId xmlns:a16="http://schemas.microsoft.com/office/drawing/2014/main" id="{46A332ED-A885-3E4F-821B-A8E0FDD31CA1}"/>
               </a:ext>
             </a:extLst>
           </p:cNvPr>
@@ -4160,125 +4579,49 @@
         </p:nvSpPr>
         <p:spPr>
           <a:xfrm>
-            <a:off x="838199" y="291090"/>
-            <a:ext cx="10515599" cy="932688"/>
+            <a:off x="838200" y="160986"/>
+            <a:ext cx="10515600" cy="1325563"/>
           </a:xfrm>
         </p:spPr>
         <p:txBody>
-          <a:bodyPr vert="horz" lIns="91440" tIns="45720" rIns="91440" bIns="45720" rtlCol="0" anchor="b">
-            <a:normAutofit/>
-          </a:bodyPr>
-          <a:lstStyle/>
-          <a:p>
-            <a:pPr algn="ctr"/>
-            <a:r>
-              <a:rPr lang="ko-KR" altLang="en-US" sz="4800" kern="1200" dirty="0">
-                <a:solidFill>
-                  <a:schemeClr val="tx1"/>
-                </a:solidFill>
-                <a:latin typeface="+mj-lt"/>
-                <a:ea typeface="+mj-ea"/>
-                <a:cs typeface="+mj-cs"/>
-              </a:rPr>
-              <a:t>기간 선택 및 주가 데이터 </a:t>
-            </a:r>
-            <a:r>
-              <a:rPr lang="ko-KR" altLang="en-US" sz="4800" kern="1200" dirty="0" err="1">
-                <a:solidFill>
-                  <a:schemeClr val="tx1"/>
-                </a:solidFill>
-                <a:latin typeface="+mj-lt"/>
-                <a:ea typeface="+mj-ea"/>
-                <a:cs typeface="+mj-cs"/>
-              </a:rPr>
-              <a:t>시도표</a:t>
-            </a:r>
-            <a:endParaRPr lang="en-US" sz="4800" kern="1200" dirty="0">
-              <a:solidFill>
-                <a:schemeClr val="tx1"/>
-              </a:solidFill>
-              <a:latin typeface="+mj-lt"/>
-              <a:ea typeface="+mj-ea"/>
-              <a:cs typeface="+mj-cs"/>
-            </a:endParaRPr>
-          </a:p>
-        </p:txBody>
-      </p:sp>
-      <p:sp>
-        <p:nvSpPr>
-          <p:cNvPr id="9" name="Content Placeholder 8">
-            <a:extLst>
-              <a:ext uri="{FF2B5EF4-FFF2-40B4-BE49-F238E27FC236}">
-                <a16:creationId xmlns:a16="http://schemas.microsoft.com/office/drawing/2014/main" id="{47C8E6B7-8E0F-49F8-8525-9CB5B0297224}"/>
-              </a:ext>
-            </a:extLst>
-          </p:cNvPr>
-          <p:cNvSpPr>
-            <a:spLocks noGrp="1"/>
-          </p:cNvSpPr>
-          <p:nvPr>
-            <p:ph idx="1"/>
-          </p:nvPr>
-        </p:nvSpPr>
-        <p:spPr>
-          <a:xfrm>
-            <a:off x="838199" y="1335726"/>
-            <a:ext cx="10515599" cy="420624"/>
-          </a:xfrm>
-        </p:spPr>
-        <p:txBody>
-          <a:bodyPr vert="horz" lIns="91440" tIns="45720" rIns="91440" bIns="45720" rtlCol="0">
-            <a:normAutofit/>
-          </a:bodyPr>
-          <a:lstStyle/>
-          <a:p>
-            <a:pPr marL="0" indent="0" algn="ctr">
-              <a:buNone/>
-            </a:pPr>
-            <a:r>
-              <a:rPr lang="en-US" altLang="ko-KR" sz="2000" dirty="0"/>
-              <a:t>1996</a:t>
-            </a:r>
-            <a:r>
-              <a:rPr lang="ko-KR" altLang="en-US" sz="2000" dirty="0"/>
-              <a:t> </a:t>
-            </a:r>
-            <a:r>
-              <a:rPr lang="en-US" altLang="ko-KR" sz="2000" dirty="0"/>
-              <a:t>~</a:t>
-            </a:r>
-            <a:r>
-              <a:rPr lang="ko-KR" altLang="en-US" sz="2000" dirty="0"/>
-              <a:t> </a:t>
-            </a:r>
-            <a:r>
-              <a:rPr lang="en-US" altLang="ko-KR" sz="2000" dirty="0"/>
-              <a:t>2018.05</a:t>
-            </a:r>
-            <a:endParaRPr lang="en-US" sz="2000" kern="1200" dirty="0">
-              <a:solidFill>
-                <a:schemeClr val="tx1"/>
-              </a:solidFill>
-              <a:latin typeface="+mn-lt"/>
-              <a:ea typeface="+mn-ea"/>
-              <a:cs typeface="+mn-cs"/>
-            </a:endParaRPr>
+          <a:bodyPr/>
+          <a:lstStyle/>
+          <a:p>
+            <a:r>
+              <a:rPr lang="ko-KR" altLang="en-US" sz="4800" b="1" dirty="0" err="1"/>
+              <a:t>주가데이터</a:t>
+            </a:r>
+            <a:r>
+              <a:rPr lang="ko-KR" altLang="en-US" b="1" dirty="0"/>
+              <a:t> 수집</a:t>
+            </a:r>
+            <a:r>
+              <a:rPr lang="en-US" altLang="ko-KR" b="1" dirty="0"/>
+              <a:t>: </a:t>
+            </a:r>
+            <a:r>
+              <a:rPr lang="ko-KR" altLang="en-US" b="1" dirty="0" err="1"/>
+              <a:t>일별종가</a:t>
+            </a:r>
+            <a:endParaRPr lang="en-US" b="1" dirty="0"/>
           </a:p>
         </p:txBody>
       </p:sp>
       <p:pic>
         <p:nvPicPr>
-          <p:cNvPr id="4" name="Picture 3" descr="A screenshot of a map&#10;&#10;Description automatically generated">
-            <a:extLst>
-              <a:ext uri="{FF2B5EF4-FFF2-40B4-BE49-F238E27FC236}">
-                <a16:creationId xmlns:a16="http://schemas.microsoft.com/office/drawing/2014/main" id="{B8428AA7-ED6E-D84A-AEB3-20408AD282BB}"/>
+          <p:cNvPr id="5" name="Content Placeholder 4" descr="A screenshot of a cell phone&#10;&#10;Description automatically generated">
+            <a:extLst>
+              <a:ext uri="{FF2B5EF4-FFF2-40B4-BE49-F238E27FC236}">
+                <a16:creationId xmlns:a16="http://schemas.microsoft.com/office/drawing/2014/main" id="{B178E87C-64C0-8E48-A777-B89128D47CE4}"/>
               </a:ext>
             </a:extLst>
           </p:cNvPr>
           <p:cNvPicPr>
-            <a:picLocks noChangeAspect="1"/>
+            <a:picLocks noGrp="1" noChangeAspect="1"/>
           </p:cNvPicPr>
-          <p:nvPr/>
+          <p:nvPr>
+            <p:ph idx="1"/>
+          </p:nvPr>
         </p:nvPicPr>
         <p:blipFill>
           <a:blip r:embed="rId2"/>
@@ -4288,8 +4631,35 @@
         </p:blipFill>
         <p:spPr>
           <a:xfrm>
-            <a:off x="1233614" y="1642572"/>
-            <a:ext cx="9724768" cy="5215428"/>
+            <a:off x="1442433" y="1300766"/>
+            <a:ext cx="4365939" cy="5396248"/>
+          </a:xfrm>
+        </p:spPr>
+      </p:pic>
+      <p:pic>
+        <p:nvPicPr>
+          <p:cNvPr id="7" name="Picture 6" descr="A screenshot of a cell phone&#10;&#10;Description automatically generated">
+            <a:extLst>
+              <a:ext uri="{FF2B5EF4-FFF2-40B4-BE49-F238E27FC236}">
+                <a16:creationId xmlns:a16="http://schemas.microsoft.com/office/drawing/2014/main" id="{BE4334F7-7E83-804F-AB1D-627F31B7CC60}"/>
+              </a:ext>
+            </a:extLst>
+          </p:cNvPr>
+          <p:cNvPicPr>
+            <a:picLocks noChangeAspect="1"/>
+          </p:cNvPicPr>
+          <p:nvPr/>
+        </p:nvPicPr>
+        <p:blipFill>
+          <a:blip r:embed="rId3"/>
+          <a:stretch>
+            <a:fillRect/>
+          </a:stretch>
+        </p:blipFill>
+        <p:spPr>
+          <a:xfrm>
+            <a:off x="6227021" y="1378038"/>
+            <a:ext cx="5126779" cy="5318975"/>
           </a:xfrm>
           <a:prstGeom prst="rect">
             <a:avLst/>
@@ -4299,7 +4669,7 @@
     </p:spTree>
     <p:extLst>
       <p:ext uri="{BB962C8B-B14F-4D97-AF65-F5344CB8AC3E}">
-        <p14:creationId xmlns:p14="http://schemas.microsoft.com/office/powerpoint/2010/main" val="2775191132"/>
+        <p14:creationId xmlns:p14="http://schemas.microsoft.com/office/powerpoint/2010/main" val="930050495"/>
       </p:ext>
     </p:extLst>
   </p:cSld>
@@ -4356,7 +4726,7 @@
           <a:p>
             <a:pPr algn="ctr"/>
             <a:r>
-              <a:rPr lang="ko-KR" altLang="en-US" sz="4800" kern="1200" dirty="0">
+              <a:rPr lang="ko-KR" altLang="en-US" sz="4800" b="1" kern="1200" dirty="0">
                 <a:solidFill>
                   <a:schemeClr val="tx1"/>
                 </a:solidFill>
@@ -4364,10 +4734,10 @@
                 <a:ea typeface="+mj-ea"/>
                 <a:cs typeface="+mj-cs"/>
               </a:rPr>
-              <a:t>기간 선택 및 주가 데이터 </a:t>
-            </a:r>
-            <a:r>
-              <a:rPr lang="ko-KR" altLang="en-US" sz="4800" kern="1200" dirty="0" err="1">
+              <a:t>주가 데이터 </a:t>
+            </a:r>
+            <a:r>
+              <a:rPr lang="ko-KR" altLang="en-US" sz="4800" b="1" kern="1200" dirty="0" err="1">
                 <a:solidFill>
                   <a:schemeClr val="tx1"/>
                 </a:solidFill>
@@ -4377,7 +4747,29 @@
               </a:rPr>
               <a:t>시도표</a:t>
             </a:r>
-            <a:endParaRPr lang="en-US" sz="4800" kern="1200" dirty="0">
+            <a:r>
+              <a:rPr lang="ko-KR" altLang="en-US" sz="4800" b="1" kern="1200" dirty="0">
+                <a:solidFill>
+                  <a:schemeClr val="tx1"/>
+                </a:solidFill>
+                <a:latin typeface="+mj-lt"/>
+                <a:ea typeface="+mj-ea"/>
+                <a:cs typeface="+mj-cs"/>
+              </a:rPr>
+              <a:t> 및 </a:t>
+            </a:r>
+            <a:r>
+              <a:rPr lang="ko-KR" altLang="en-US" sz="4800" b="1" kern="1200" dirty="0" err="1">
+                <a:solidFill>
+                  <a:schemeClr val="tx1"/>
+                </a:solidFill>
+                <a:latin typeface="+mj-lt"/>
+                <a:ea typeface="+mj-ea"/>
+                <a:cs typeface="+mj-cs"/>
+              </a:rPr>
+              <a:t>기간선택</a:t>
+            </a:r>
+            <a:endParaRPr lang="en-US" sz="4800" b="1" kern="1200" dirty="0">
               <a:solidFill>
                 <a:schemeClr val="tx1"/>
               </a:solidFill>
@@ -4388,109 +4780,12 @@
           </a:p>
         </p:txBody>
       </p:sp>
-      <p:sp>
-        <p:nvSpPr>
-          <p:cNvPr id="9" name="Content Placeholder 8">
-            <a:extLst>
-              <a:ext uri="{FF2B5EF4-FFF2-40B4-BE49-F238E27FC236}">
-                <a16:creationId xmlns:a16="http://schemas.microsoft.com/office/drawing/2014/main" id="{47C8E6B7-8E0F-49F8-8525-9CB5B0297224}"/>
-              </a:ext>
-            </a:extLst>
-          </p:cNvPr>
-          <p:cNvSpPr>
-            <a:spLocks noGrp="1"/>
-          </p:cNvSpPr>
-          <p:nvPr>
-            <p:ph idx="1"/>
-          </p:nvPr>
-        </p:nvSpPr>
-        <p:spPr>
-          <a:xfrm>
-            <a:off x="838199" y="1335726"/>
-            <a:ext cx="10515599" cy="420624"/>
-          </a:xfrm>
-        </p:spPr>
-        <p:txBody>
-          <a:bodyPr vert="horz" lIns="91440" tIns="45720" rIns="91440" bIns="45720" rtlCol="0">
-            <a:normAutofit/>
-          </a:bodyPr>
-          <a:lstStyle/>
-          <a:p>
-            <a:pPr marL="0" indent="0" algn="ctr">
-              <a:buNone/>
-            </a:pPr>
-            <a:r>
-              <a:rPr lang="en-US" altLang="ko-KR" sz="2000" kern="1200" dirty="0">
-                <a:solidFill>
-                  <a:schemeClr val="tx1"/>
-                </a:solidFill>
-                <a:latin typeface="+mn-lt"/>
-                <a:ea typeface="+mn-ea"/>
-                <a:cs typeface="+mn-cs"/>
-              </a:rPr>
-              <a:t>2018.05</a:t>
-            </a:r>
-            <a:r>
-              <a:rPr lang="ko-KR" altLang="en-US" sz="2000" kern="1200" dirty="0">
-                <a:solidFill>
-                  <a:schemeClr val="tx1"/>
-                </a:solidFill>
-                <a:latin typeface="+mn-lt"/>
-                <a:ea typeface="+mn-ea"/>
-                <a:cs typeface="+mn-cs"/>
-              </a:rPr>
-              <a:t> </a:t>
-            </a:r>
-            <a:r>
-              <a:rPr lang="en-US" altLang="ko-KR" sz="2000" kern="1200" dirty="0">
-                <a:solidFill>
-                  <a:schemeClr val="tx1"/>
-                </a:solidFill>
-                <a:latin typeface="+mn-lt"/>
-                <a:ea typeface="+mn-ea"/>
-                <a:cs typeface="+mn-cs"/>
-              </a:rPr>
-              <a:t>~</a:t>
-            </a:r>
-            <a:r>
-              <a:rPr lang="ko-KR" altLang="en-US" sz="2000" kern="1200" dirty="0">
-                <a:solidFill>
-                  <a:schemeClr val="tx1"/>
-                </a:solidFill>
-                <a:latin typeface="+mn-lt"/>
-                <a:ea typeface="+mn-ea"/>
-                <a:cs typeface="+mn-cs"/>
-              </a:rPr>
-              <a:t> </a:t>
-            </a:r>
-            <a:r>
-              <a:rPr lang="en-US" altLang="ko-KR" sz="2000" kern="1200" dirty="0">
-                <a:solidFill>
-                  <a:schemeClr val="tx1"/>
-                </a:solidFill>
-                <a:latin typeface="+mn-lt"/>
-                <a:ea typeface="+mn-ea"/>
-                <a:cs typeface="+mn-cs"/>
-              </a:rPr>
-              <a:t>2019.12</a:t>
-            </a:r>
-            <a:endParaRPr lang="en-US" sz="2000" kern="1200" dirty="0">
-              <a:solidFill>
-                <a:schemeClr val="tx1"/>
-              </a:solidFill>
-              <a:latin typeface="+mn-lt"/>
-              <a:ea typeface="+mn-ea"/>
-              <a:cs typeface="+mn-cs"/>
-            </a:endParaRPr>
-          </a:p>
-        </p:txBody>
-      </p:sp>
       <p:pic>
         <p:nvPicPr>
-          <p:cNvPr id="8" name="Picture 7" descr="A screenshot of a cell phone&#10;&#10;Description automatically generated">
-            <a:extLst>
-              <a:ext uri="{FF2B5EF4-FFF2-40B4-BE49-F238E27FC236}">
-                <a16:creationId xmlns:a16="http://schemas.microsoft.com/office/drawing/2014/main" id="{16E92EFF-F786-7A40-B332-3E2C56AAED5E}"/>
+          <p:cNvPr id="4" name="Picture 3" descr="A screenshot of a map&#10;&#10;Description automatically generated">
+            <a:extLst>
+              <a:ext uri="{FF2B5EF4-FFF2-40B4-BE49-F238E27FC236}">
+                <a16:creationId xmlns:a16="http://schemas.microsoft.com/office/drawing/2014/main" id="{B8428AA7-ED6E-D84A-AEB3-20408AD282BB}"/>
               </a:ext>
             </a:extLst>
           </p:cNvPr>
@@ -4507,8 +4802,8 @@
         </p:blipFill>
         <p:spPr>
           <a:xfrm>
-            <a:off x="1337615" y="1713590"/>
-            <a:ext cx="9516765" cy="5144410"/>
+            <a:off x="1233614" y="1367581"/>
+            <a:ext cx="9724768" cy="5215428"/>
           </a:xfrm>
           <a:prstGeom prst="rect">
             <a:avLst/>
@@ -4518,7 +4813,7 @@
     </p:spTree>
     <p:extLst>
       <p:ext uri="{BB962C8B-B14F-4D97-AF65-F5344CB8AC3E}">
-        <p14:creationId xmlns:p14="http://schemas.microsoft.com/office/powerpoint/2010/main" val="3904339034"/>
+        <p14:creationId xmlns:p14="http://schemas.microsoft.com/office/powerpoint/2010/main" val="2775191132"/>
       </p:ext>
     </p:extLst>
   </p:cSld>
@@ -4550,7 +4845,7 @@
           <p:cNvPr id="2" name="Title 1">
             <a:extLst>
               <a:ext uri="{FF2B5EF4-FFF2-40B4-BE49-F238E27FC236}">
-                <a16:creationId xmlns:a16="http://schemas.microsoft.com/office/drawing/2014/main" id="{7136951C-2760-EE4E-B5A8-22EB107CADD8}"/>
+                <a16:creationId xmlns:a16="http://schemas.microsoft.com/office/drawing/2014/main" id="{48B7C24E-2E92-6F40-B467-246B013FDB29}"/>
               </a:ext>
             </a:extLst>
           </p:cNvPr>
@@ -4561,127 +4856,108 @@
             <p:ph type="title"/>
           </p:nvPr>
         </p:nvSpPr>
-        <p:spPr/>
-        <p:txBody>
-          <a:bodyPr/>
-          <a:lstStyle/>
-          <a:p>
-            <a:r>
-              <a:rPr lang="ko-KR" altLang="en-US" dirty="0" err="1"/>
-              <a:t>가설설정</a:t>
-            </a:r>
-            <a:endParaRPr lang="en-US" dirty="0"/>
-          </a:p>
-        </p:txBody>
-      </p:sp>
-      <p:sp>
-        <p:nvSpPr>
-          <p:cNvPr id="3" name="Content Placeholder 2">
-            <a:extLst>
-              <a:ext uri="{FF2B5EF4-FFF2-40B4-BE49-F238E27FC236}">
-                <a16:creationId xmlns:a16="http://schemas.microsoft.com/office/drawing/2014/main" id="{A099CD20-837F-4349-9F23-E5AA188BF9BC}"/>
-              </a:ext>
-            </a:extLst>
-          </p:cNvPr>
-          <p:cNvSpPr>
-            <a:spLocks noGrp="1"/>
-          </p:cNvSpPr>
-          <p:nvPr>
-            <p:ph idx="1"/>
-          </p:nvPr>
-        </p:nvSpPr>
-        <p:spPr/>
-        <p:txBody>
-          <a:bodyPr/>
-          <a:lstStyle/>
-          <a:p>
-            <a:pPr marL="0" indent="0">
-              <a:buNone/>
-            </a:pPr>
-            <a:r>
-              <a:rPr lang="ko-KR" altLang="en-US" dirty="0" err="1"/>
-              <a:t>귀무가설</a:t>
-            </a:r>
-            <a:endParaRPr lang="en-US" altLang="ko-KR" dirty="0"/>
-          </a:p>
-          <a:p>
-            <a:pPr marL="0" indent="0">
-              <a:buNone/>
-            </a:pPr>
-            <a:r>
-              <a:rPr lang="en-US" altLang="ko-KR" dirty="0"/>
-              <a:t>H</a:t>
-            </a:r>
-            <a:r>
-              <a:rPr lang="en-US" altLang="ko-KR" baseline="-25000" dirty="0"/>
-              <a:t>0</a:t>
-            </a:r>
-            <a:r>
-              <a:rPr lang="en-US" altLang="ko-KR" dirty="0"/>
-              <a:t>:</a:t>
-            </a:r>
-            <a:r>
-              <a:rPr lang="ko-KR" altLang="en-US" dirty="0"/>
-              <a:t>삼성전자 주가는 랜덤워크이다</a:t>
-            </a:r>
-            <a:r>
-              <a:rPr lang="en-US" altLang="ko-KR" dirty="0"/>
-              <a:t>(Rho = 1)</a:t>
-            </a:r>
-          </a:p>
-          <a:p>
-            <a:pPr marL="0" indent="0">
-              <a:buNone/>
-            </a:pPr>
-            <a:endParaRPr lang="en-US" dirty="0"/>
-          </a:p>
-          <a:p>
-            <a:pPr marL="0" indent="0">
-              <a:buNone/>
-            </a:pPr>
-            <a:r>
-              <a:rPr lang="ko-KR" altLang="en-US" dirty="0" err="1"/>
-              <a:t>대립가설</a:t>
-            </a:r>
-            <a:endParaRPr lang="en-US" altLang="ko-KR" dirty="0"/>
-          </a:p>
-          <a:p>
-            <a:pPr marL="0" indent="0">
-              <a:buNone/>
-            </a:pPr>
-            <a:r>
-              <a:rPr lang="en-US" altLang="ko-KR" dirty="0"/>
-              <a:t>H</a:t>
-            </a:r>
-            <a:r>
-              <a:rPr lang="en-US" altLang="ko-KR" baseline="-25000" dirty="0"/>
-              <a:t>1</a:t>
-            </a:r>
-            <a:r>
-              <a:rPr lang="en-US" altLang="ko-KR" dirty="0"/>
-              <a:t>:</a:t>
-            </a:r>
-            <a:r>
-              <a:rPr lang="ko-KR" altLang="en-US" dirty="0"/>
-              <a:t> 삼성전자 주가는 하락하는 곡선이다</a:t>
-            </a:r>
-            <a:r>
-              <a:rPr lang="en-US" altLang="ko-KR" dirty="0"/>
-              <a:t>(Rho &lt; 1)</a:t>
-            </a:r>
-          </a:p>
-          <a:p>
-            <a:pPr marL="0" indent="0">
-              <a:buNone/>
-            </a:pPr>
-            <a:endParaRPr lang="en-US" dirty="0"/>
-          </a:p>
-        </p:txBody>
-      </p:sp>
+        <p:spPr>
+          <a:xfrm>
+            <a:off x="838199" y="291090"/>
+            <a:ext cx="10515599" cy="932688"/>
+          </a:xfrm>
+        </p:spPr>
+        <p:txBody>
+          <a:bodyPr vert="horz" lIns="91440" tIns="45720" rIns="91440" bIns="45720" rtlCol="0" anchor="b">
+            <a:normAutofit/>
+          </a:bodyPr>
+          <a:lstStyle/>
+          <a:p>
+            <a:pPr algn="ctr"/>
+            <a:r>
+              <a:rPr lang="ko-KR" altLang="en-US" sz="4800" b="1" kern="1200" dirty="0">
+                <a:solidFill>
+                  <a:schemeClr val="tx1"/>
+                </a:solidFill>
+                <a:latin typeface="+mj-lt"/>
+                <a:ea typeface="+mj-ea"/>
+                <a:cs typeface="+mj-cs"/>
+              </a:rPr>
+              <a:t>주가 데이터 </a:t>
+            </a:r>
+            <a:r>
+              <a:rPr lang="ko-KR" altLang="en-US" sz="4800" b="1" kern="1200" dirty="0" err="1">
+                <a:solidFill>
+                  <a:schemeClr val="tx1"/>
+                </a:solidFill>
+                <a:latin typeface="+mj-lt"/>
+                <a:ea typeface="+mj-ea"/>
+                <a:cs typeface="+mj-cs"/>
+              </a:rPr>
+              <a:t>시도표</a:t>
+            </a:r>
+            <a:r>
+              <a:rPr lang="ko-KR" altLang="en-US" sz="4800" b="1" kern="1200" dirty="0">
+                <a:solidFill>
+                  <a:schemeClr val="tx1"/>
+                </a:solidFill>
+                <a:latin typeface="+mj-lt"/>
+                <a:ea typeface="+mj-ea"/>
+                <a:cs typeface="+mj-cs"/>
+              </a:rPr>
+              <a:t> 및 </a:t>
+            </a:r>
+            <a:r>
+              <a:rPr lang="ko-KR" altLang="en-US" sz="4800" b="1" kern="1200" dirty="0" err="1">
+                <a:solidFill>
+                  <a:schemeClr val="tx1"/>
+                </a:solidFill>
+                <a:latin typeface="+mj-lt"/>
+                <a:ea typeface="+mj-ea"/>
+                <a:cs typeface="+mj-cs"/>
+              </a:rPr>
+              <a:t>기간선택</a:t>
+            </a:r>
+            <a:endParaRPr lang="en-US" sz="4800" b="1" kern="1200" dirty="0">
+              <a:solidFill>
+                <a:schemeClr val="tx1"/>
+              </a:solidFill>
+              <a:latin typeface="+mj-lt"/>
+              <a:ea typeface="+mj-ea"/>
+              <a:cs typeface="+mj-cs"/>
+            </a:endParaRPr>
+          </a:p>
+        </p:txBody>
+      </p:sp>
+      <p:pic>
+        <p:nvPicPr>
+          <p:cNvPr id="8" name="Picture 7" descr="A screenshot of a cell phone&#10;&#10;Description automatically generated">
+            <a:extLst>
+              <a:ext uri="{FF2B5EF4-FFF2-40B4-BE49-F238E27FC236}">
+                <a16:creationId xmlns:a16="http://schemas.microsoft.com/office/drawing/2014/main" id="{16E92EFF-F786-7A40-B332-3E2C56AAED5E}"/>
+              </a:ext>
+            </a:extLst>
+          </p:cNvPr>
+          <p:cNvPicPr>
+            <a:picLocks noChangeAspect="1"/>
+          </p:cNvPicPr>
+          <p:nvPr/>
+        </p:nvPicPr>
+        <p:blipFill>
+          <a:blip r:embed="rId2"/>
+          <a:stretch>
+            <a:fillRect/>
+          </a:stretch>
+        </p:blipFill>
+        <p:spPr>
+          <a:xfrm>
+            <a:off x="1337615" y="1412841"/>
+            <a:ext cx="9516765" cy="5144410"/>
+          </a:xfrm>
+          <a:prstGeom prst="rect">
+            <a:avLst/>
+          </a:prstGeom>
+        </p:spPr>
+      </p:pic>
     </p:spTree>
     <p:extLst>
       <p:ext uri="{BB962C8B-B14F-4D97-AF65-F5344CB8AC3E}">
-        <p14:creationId xmlns:p14="http://schemas.microsoft.com/office/powerpoint/2010/main" val="1067166294"/>
+        <p14:creationId xmlns:p14="http://schemas.microsoft.com/office/powerpoint/2010/main" val="3904339034"/>
       </p:ext>
     </p:extLst>
   </p:cSld>
@@ -4713,7 +4989,7 @@
           <p:cNvPr id="2" name="Title 1">
             <a:extLst>
               <a:ext uri="{FF2B5EF4-FFF2-40B4-BE49-F238E27FC236}">
-                <a16:creationId xmlns:a16="http://schemas.microsoft.com/office/drawing/2014/main" id="{8884690E-1FE7-5545-8D04-1B722BF426DA}"/>
+                <a16:creationId xmlns:a16="http://schemas.microsoft.com/office/drawing/2014/main" id="{7136951C-2760-EE4E-B5A8-22EB107CADD8}"/>
               </a:ext>
             </a:extLst>
           </p:cNvPr>
@@ -4726,52 +5002,78 @@
         </p:nvSpPr>
         <p:spPr/>
         <p:txBody>
+          <a:bodyPr>
+            <a:normAutofit/>
+          </a:bodyPr>
+          <a:lstStyle/>
+          <a:p>
+            <a:r>
+              <a:rPr lang="ko-KR" altLang="en-US" sz="4800" b="1" dirty="0" err="1"/>
+              <a:t>가설설정</a:t>
+            </a:r>
+            <a:endParaRPr lang="en-US" sz="4800" b="1" dirty="0"/>
+          </a:p>
+        </p:txBody>
+      </p:sp>
+      <p:sp>
+        <p:nvSpPr>
+          <p:cNvPr id="3" name="Content Placeholder 2">
+            <a:extLst>
+              <a:ext uri="{FF2B5EF4-FFF2-40B4-BE49-F238E27FC236}">
+                <a16:creationId xmlns:a16="http://schemas.microsoft.com/office/drawing/2014/main" id="{A099CD20-837F-4349-9F23-E5AA188BF9BC}"/>
+              </a:ext>
+            </a:extLst>
+          </p:cNvPr>
+          <p:cNvSpPr>
+            <a:spLocks noGrp="1"/>
+          </p:cNvSpPr>
+          <p:nvPr>
+            <p:ph idx="1"/>
+          </p:nvPr>
+        </p:nvSpPr>
+        <p:spPr/>
+        <p:txBody>
           <a:bodyPr/>
           <a:lstStyle/>
           <a:p>
+            <a:pPr marL="0" indent="0">
+              <a:buNone/>
+            </a:pPr>
+            <a:endParaRPr lang="en-US" altLang="ko-KR" b="1" dirty="0"/>
+          </a:p>
+          <a:p>
+            <a:pPr marL="0" indent="0">
+              <a:buNone/>
+            </a:pPr>
+            <a:r>
+              <a:rPr lang="ko-KR" altLang="en-US" b="1" dirty="0" err="1"/>
+              <a:t>귀무가설</a:t>
+            </a:r>
+            <a:endParaRPr lang="en-US" altLang="ko-KR" b="1" dirty="0"/>
+          </a:p>
+          <a:p>
+            <a:pPr marL="0" indent="0">
+              <a:buNone/>
+            </a:pPr>
+            <a:r>
+              <a:rPr lang="en-US" altLang="ko-KR" dirty="0"/>
+              <a:t>	H</a:t>
+            </a:r>
+            <a:r>
+              <a:rPr lang="en-US" altLang="ko-KR" baseline="-25000" dirty="0"/>
+              <a:t>0</a:t>
+            </a:r>
+            <a:r>
+              <a:rPr lang="en-US" altLang="ko-KR" dirty="0"/>
+              <a:t>:</a:t>
+            </a:r>
             <a:r>
               <a:rPr lang="ko-KR" altLang="en-US" dirty="0"/>
-              <a:t>기울기 </a:t>
-            </a:r>
-            <a:r>
-              <a:rPr lang="ko-KR" altLang="en-US" dirty="0" err="1"/>
-              <a:t>검정수행</a:t>
-            </a:r>
-            <a:endParaRPr lang="en-US" dirty="0"/>
-          </a:p>
-        </p:txBody>
-      </p:sp>
-      <p:sp>
-        <p:nvSpPr>
-          <p:cNvPr id="3" name="Content Placeholder 2">
-            <a:extLst>
-              <a:ext uri="{FF2B5EF4-FFF2-40B4-BE49-F238E27FC236}">
-                <a16:creationId xmlns:a16="http://schemas.microsoft.com/office/drawing/2014/main" id="{9D560A69-225E-A34E-BC9E-40F3CDD6305A}"/>
-              </a:ext>
-            </a:extLst>
-          </p:cNvPr>
-          <p:cNvSpPr>
-            <a:spLocks noGrp="1"/>
-          </p:cNvSpPr>
-          <p:nvPr>
-            <p:ph idx="1"/>
-          </p:nvPr>
-        </p:nvSpPr>
-        <p:spPr/>
-        <p:txBody>
-          <a:bodyPr/>
-          <a:lstStyle/>
-          <a:p>
-            <a:pPr marL="0" indent="0">
-              <a:buNone/>
-            </a:pPr>
-            <a:r>
-              <a:rPr lang="ko-KR" altLang="en-US" dirty="0"/>
-              <a:t>랜덤워크에서의 기울기 검정이란</a:t>
+              <a:t>삼성전자 주가는 랜덤워크이다</a:t>
             </a:r>
             <a:r>
               <a:rPr lang="en-US" altLang="ko-KR" dirty="0"/>
-              <a:t>?</a:t>
+              <a:t>(Rho = 1)</a:t>
             </a:r>
           </a:p>
           <a:p>
@@ -4785,64 +5087,35 @@
               <a:buNone/>
             </a:pPr>
             <a:r>
-              <a:rPr lang="en-US" dirty="0"/>
-              <a:t>B:</a:t>
+              <a:rPr lang="ko-KR" altLang="en-US" b="1" dirty="0" err="1"/>
+              <a:t>대립가설</a:t>
+            </a:r>
+            <a:endParaRPr lang="en-US" altLang="ko-KR" b="1" dirty="0"/>
+          </a:p>
+          <a:p>
+            <a:pPr marL="0" indent="0">
+              <a:buNone/>
+            </a:pPr>
+            <a:r>
+              <a:rPr lang="en-US" altLang="ko-KR" dirty="0"/>
+              <a:t>	H</a:t>
+            </a:r>
+            <a:r>
+              <a:rPr lang="en-US" altLang="ko-KR" baseline="-25000" dirty="0"/>
+              <a:t>1</a:t>
+            </a:r>
+            <a:r>
+              <a:rPr lang="en-US" altLang="ko-KR" dirty="0"/>
+              <a:t>:</a:t>
             </a:r>
             <a:r>
               <a:rPr lang="ko-KR" altLang="en-US" dirty="0"/>
-              <a:t> 기울기가 </a:t>
+              <a:t> 삼성전자 주가는 하락하는 곡선이다</a:t>
             </a:r>
             <a:r>
               <a:rPr lang="en-US" altLang="ko-KR" dirty="0"/>
-              <a:t>0</a:t>
-            </a:r>
-            <a:r>
-              <a:rPr lang="ko-KR" altLang="en-US" dirty="0"/>
-              <a:t>보다 큰 개수</a:t>
-            </a:r>
-            <a:endParaRPr lang="en-US" altLang="ko-KR" dirty="0"/>
-          </a:p>
-          <a:p>
-            <a:pPr marL="0" indent="0">
-              <a:buNone/>
-            </a:pPr>
-            <a:r>
-              <a:rPr lang="en-US" altLang="ko-KR" dirty="0"/>
-              <a:t>P-</a:t>
-            </a:r>
-            <a:r>
-              <a:rPr lang="en-US" altLang="ko-KR" dirty="0" err="1"/>
-              <a:t>val</a:t>
-            </a:r>
-            <a:r>
-              <a:rPr lang="en-US" altLang="ko-KR" dirty="0"/>
-              <a:t>: </a:t>
-            </a:r>
-            <a:r>
-              <a:rPr lang="ko-KR" altLang="en-US" dirty="0" err="1"/>
-              <a:t>귀무가설이</a:t>
-            </a:r>
-            <a:r>
-              <a:rPr lang="ko-KR" altLang="en-US" dirty="0"/>
-              <a:t> </a:t>
-            </a:r>
-            <a:r>
-              <a:rPr lang="ko-KR" altLang="en-US" dirty="0" err="1"/>
-              <a:t>사실일때</a:t>
-            </a:r>
-            <a:r>
-              <a:rPr lang="ko-KR" altLang="en-US" dirty="0"/>
-              <a:t> </a:t>
-            </a:r>
-            <a:r>
-              <a:rPr lang="en-US" altLang="ko-KR" dirty="0"/>
-              <a:t>b</a:t>
-            </a:r>
-            <a:r>
-              <a:rPr lang="ko-KR" altLang="en-US" dirty="0"/>
-              <a:t> 값이 나올 확률</a:t>
-            </a:r>
-            <a:endParaRPr lang="en-US" altLang="ko-KR" dirty="0"/>
+              <a:t>(Rho &lt; 1)</a:t>
+            </a:r>
           </a:p>
           <a:p>
             <a:pPr marL="0" indent="0">
@@ -4855,7 +5128,7 @@
     </p:spTree>
     <p:extLst>
       <p:ext uri="{BB962C8B-B14F-4D97-AF65-F5344CB8AC3E}">
-        <p14:creationId xmlns:p14="http://schemas.microsoft.com/office/powerpoint/2010/main" val="4127514675"/>
+        <p14:creationId xmlns:p14="http://schemas.microsoft.com/office/powerpoint/2010/main" val="1067166294"/>
       </p:ext>
     </p:extLst>
   </p:cSld>
@@ -4887,7 +5160,7 @@
           <p:cNvPr id="2" name="Title 1">
             <a:extLst>
               <a:ext uri="{FF2B5EF4-FFF2-40B4-BE49-F238E27FC236}">
-                <a16:creationId xmlns:a16="http://schemas.microsoft.com/office/drawing/2014/main" id="{B2887ED1-D354-D44F-B416-79A4474BE680}"/>
+                <a16:creationId xmlns:a16="http://schemas.microsoft.com/office/drawing/2014/main" id="{8884690E-1FE7-5545-8D04-1B722BF426DA}"/>
               </a:ext>
             </a:extLst>
           </p:cNvPr>
@@ -4900,54 +5173,194 @@
         </p:nvSpPr>
         <p:spPr/>
         <p:txBody>
-          <a:bodyPr/>
-          <a:lstStyle/>
-          <a:p>
+          <a:bodyPr>
+            <a:normAutofit/>
+          </a:bodyPr>
+          <a:lstStyle/>
+          <a:p>
+            <a:r>
+              <a:rPr lang="ko-KR" altLang="en-US" sz="4800" b="1" dirty="0"/>
+              <a:t>기울기 </a:t>
+            </a:r>
+            <a:r>
+              <a:rPr lang="ko-KR" altLang="en-US" sz="4800" b="1" dirty="0" err="1"/>
+              <a:t>검정수행</a:t>
+            </a:r>
+            <a:endParaRPr lang="en-US" sz="4800" b="1" dirty="0"/>
+          </a:p>
+        </p:txBody>
+      </p:sp>
+      <p:sp>
+        <p:nvSpPr>
+          <p:cNvPr id="3" name="Content Placeholder 2">
+            <a:extLst>
+              <a:ext uri="{FF2B5EF4-FFF2-40B4-BE49-F238E27FC236}">
+                <a16:creationId xmlns:a16="http://schemas.microsoft.com/office/drawing/2014/main" id="{9D560A69-225E-A34E-BC9E-40F3CDD6305A}"/>
+              </a:ext>
+            </a:extLst>
+          </p:cNvPr>
+          <p:cNvSpPr>
+            <a:spLocks noGrp="1"/>
+          </p:cNvSpPr>
+          <p:nvPr>
+            <p:ph idx="1"/>
+          </p:nvPr>
+        </p:nvSpPr>
+        <p:spPr/>
+        <p:txBody>
+          <a:bodyPr>
+            <a:normAutofit/>
+          </a:bodyPr>
+          <a:lstStyle/>
+          <a:p>
+            <a:pPr marL="0" indent="0">
+              <a:buNone/>
+            </a:pPr>
+            <a:endParaRPr lang="en-US" altLang="ko-KR" dirty="0"/>
+          </a:p>
+          <a:p>
+            <a:pPr marL="0" indent="0">
+              <a:buNone/>
+            </a:pPr>
+            <a:r>
+              <a:rPr lang="ko-KR" altLang="en-US" b="1" dirty="0"/>
+              <a:t>랜덤워크에서의 기울기 검정이란</a:t>
+            </a:r>
+            <a:r>
+              <a:rPr lang="en-US" altLang="ko-KR" b="1" dirty="0"/>
+              <a:t>?</a:t>
+            </a:r>
+          </a:p>
+          <a:p>
+            <a:pPr marL="0" indent="0">
+              <a:buNone/>
+            </a:pPr>
+            <a:endParaRPr lang="en-US" dirty="0"/>
+          </a:p>
+          <a:p>
+            <a:pPr marL="0" indent="0">
+              <a:buNone/>
+            </a:pPr>
+            <a:r>
+              <a:rPr lang="en-US" dirty="0"/>
+              <a:t>	</a:t>
+            </a:r>
             <a:r>
               <a:rPr lang="ko-KR" altLang="en-US" dirty="0"/>
-              <a:t>기울기 </a:t>
+              <a:t>기울기가 </a:t>
+            </a:r>
+            <a:r>
+              <a:rPr lang="en-US" altLang="ko-KR" dirty="0"/>
+              <a:t>+,</a:t>
+            </a:r>
+            <a:r>
+              <a:rPr lang="ko-KR" altLang="en-US" dirty="0"/>
+              <a:t> </a:t>
+            </a:r>
+            <a:r>
+              <a:rPr lang="en-US" altLang="ko-KR" dirty="0"/>
+              <a:t>-</a:t>
+            </a:r>
+            <a:r>
+              <a:rPr lang="ko-KR" altLang="en-US" dirty="0"/>
+              <a:t>가 나올 확률이 반반이라면</a:t>
+            </a:r>
+            <a:r>
+              <a:rPr lang="en-US" altLang="ko-KR" dirty="0"/>
+              <a:t>, </a:t>
+            </a:r>
+          </a:p>
+          <a:p>
+            <a:pPr marL="0" indent="0">
+              <a:buNone/>
+            </a:pPr>
+            <a:r>
+              <a:rPr lang="en-US" altLang="ko-KR" dirty="0"/>
+              <a:t>	B</a:t>
+            </a:r>
+            <a:r>
+              <a:rPr lang="ko-KR" altLang="en-US" dirty="0"/>
+              <a:t>가 나올 확률을계산하여 랜덤워크인지 아닌지 검정</a:t>
+            </a:r>
+            <a:endParaRPr lang="en-US" dirty="0"/>
+          </a:p>
+          <a:p>
+            <a:pPr marL="0" indent="0">
+              <a:buNone/>
+            </a:pPr>
+            <a:r>
+              <a:rPr lang="en-US" dirty="0"/>
+              <a:t>	</a:t>
+            </a:r>
+          </a:p>
+          <a:p>
+            <a:pPr marL="0" indent="0">
+              <a:buNone/>
+            </a:pPr>
+            <a:r>
+              <a:rPr lang="en-US" dirty="0"/>
+              <a:t>	B:</a:t>
+            </a:r>
+            <a:r>
+              <a:rPr lang="ko-KR" altLang="en-US" dirty="0"/>
+              <a:t> 기울기가 </a:t>
+            </a:r>
+            <a:r>
+              <a:rPr lang="en-US" altLang="ko-KR" dirty="0"/>
+              <a:t>0</a:t>
+            </a:r>
+            <a:r>
+              <a:rPr lang="ko-KR" altLang="en-US" dirty="0"/>
+              <a:t>보다 큰 개수</a:t>
+            </a:r>
+            <a:endParaRPr lang="en-US" altLang="ko-KR" dirty="0"/>
+          </a:p>
+          <a:p>
+            <a:pPr marL="0" indent="0">
+              <a:buNone/>
+            </a:pPr>
+            <a:r>
+              <a:rPr lang="en-US" altLang="ko-KR" dirty="0"/>
+              <a:t>	P-value: </a:t>
             </a:r>
             <a:r>
               <a:rPr lang="ko-KR" altLang="en-US" dirty="0" err="1"/>
-              <a:t>검정수행</a:t>
-            </a:r>
+              <a:t>귀무가설이</a:t>
+            </a:r>
+            <a:r>
+              <a:rPr lang="ko-KR" altLang="en-US" dirty="0"/>
+              <a:t> </a:t>
+            </a:r>
+            <a:r>
+              <a:rPr lang="ko-KR" altLang="en-US" dirty="0" err="1"/>
+              <a:t>사실일때</a:t>
+            </a:r>
+            <a:r>
+              <a:rPr lang="ko-KR" altLang="en-US" dirty="0"/>
+              <a:t> </a:t>
+            </a:r>
+            <a:r>
+              <a:rPr lang="en-US" altLang="ko-KR" dirty="0"/>
+              <a:t>B</a:t>
+            </a:r>
+            <a:r>
+              <a:rPr lang="ko-KR" altLang="en-US" dirty="0"/>
+              <a:t> 값이 나올 확률</a:t>
+            </a:r>
+            <a:endParaRPr lang="en-US" altLang="ko-KR" dirty="0"/>
+          </a:p>
+          <a:p>
+            <a:pPr marL="0" indent="0">
+              <a:buNone/>
+            </a:pPr>
             <a:endParaRPr lang="en-US" dirty="0"/>
           </a:p>
         </p:txBody>
       </p:sp>
-      <p:pic>
-        <p:nvPicPr>
-          <p:cNvPr id="5" name="Content Placeholder 4" descr="A screenshot of a cell phone&#10;&#10;Description automatically generated">
-            <a:extLst>
-              <a:ext uri="{FF2B5EF4-FFF2-40B4-BE49-F238E27FC236}">
-                <a16:creationId xmlns:a16="http://schemas.microsoft.com/office/drawing/2014/main" id="{D6B0242D-4CBC-8C40-A4D6-A39E3370EFA5}"/>
-              </a:ext>
-            </a:extLst>
-          </p:cNvPr>
-          <p:cNvPicPr>
-            <a:picLocks noGrp="1" noChangeAspect="1"/>
-          </p:cNvPicPr>
-          <p:nvPr>
-            <p:ph idx="1"/>
-          </p:nvPr>
-        </p:nvPicPr>
-        <p:blipFill>
-          <a:blip r:embed="rId2"/>
-          <a:stretch>
-            <a:fillRect/>
-          </a:stretch>
-        </p:blipFill>
-        <p:spPr>
-          <a:xfrm>
-            <a:off x="2084506" y="1759637"/>
-            <a:ext cx="8022987" cy="4351338"/>
-          </a:xfrm>
-        </p:spPr>
-      </p:pic>
     </p:spTree>
     <p:extLst>
       <p:ext uri="{BB962C8B-B14F-4D97-AF65-F5344CB8AC3E}">
-        <p14:creationId xmlns:p14="http://schemas.microsoft.com/office/powerpoint/2010/main" val="3398511196"/>
+        <p14:creationId xmlns:p14="http://schemas.microsoft.com/office/powerpoint/2010/main" val="4127514675"/>
       </p:ext>
     </p:extLst>
   </p:cSld>
